--- a/Later/Java Access Modifiers - Member Level-Field/Java Access Modifiers - Member Level-Field.pptx
+++ b/Later/Java Access Modifiers - Member Level-Field/Java Access Modifiers - Member Level-Field.pptx
@@ -11,8 +11,8 @@
     <p:sldId id="405" r:id="rId2"/>
     <p:sldId id="402" r:id="rId3"/>
     <p:sldId id="406" r:id="rId4"/>
-    <p:sldId id="407" r:id="rId5"/>
-    <p:sldId id="408" r:id="rId6"/>
+    <p:sldId id="408" r:id="rId5"/>
+    <p:sldId id="407" r:id="rId6"/>
   </p:sldIdLst>
   <p:sldSz cx="9144000" cy="5029200"/>
   <p:notesSz cx="6858000" cy="9144000"/>
@@ -4251,8 +4251,8 @@
         </p:nvSpPr>
         <p:spPr>
           <a:xfrm>
-            <a:off x="882650" y="1352549"/>
-            <a:ext cx="2244525" cy="1200329"/>
+            <a:off x="730250" y="1352549"/>
+            <a:ext cx="2596737" cy="1200329"/>
           </a:xfrm>
           <a:prstGeom prst="rect">
             <a:avLst/>
@@ -4273,7 +4273,7 @@
           </a:fontRef>
         </p:style>
         <p:txBody>
-          <a:bodyPr wrap="none" rtlCol="0">
+          <a:bodyPr wrap="square" rtlCol="0">
             <a:spAutoFit/>
           </a:bodyPr>
           <a:lstStyle/>
@@ -4497,8 +4497,8 @@
         </p:nvSpPr>
         <p:spPr>
           <a:xfrm>
-            <a:off x="882649" y="3390900"/>
-            <a:ext cx="2095445" cy="1200329"/>
+            <a:off x="5334000" y="3277241"/>
+            <a:ext cx="2491962" cy="1200329"/>
           </a:xfrm>
           <a:prstGeom prst="rect">
             <a:avLst/>
@@ -4519,7 +4519,7 @@
           </a:fontRef>
         </p:style>
         <p:txBody>
-          <a:bodyPr wrap="none" rtlCol="0">
+          <a:bodyPr wrap="square" rtlCol="0">
             <a:spAutoFit/>
           </a:bodyPr>
           <a:lstStyle/>
@@ -4625,7 +4625,7 @@
         </p:nvSpPr>
         <p:spPr>
           <a:xfrm>
-            <a:off x="5229225" y="3390899"/>
+            <a:off x="730250" y="3229705"/>
             <a:ext cx="2596737" cy="1200329"/>
           </a:xfrm>
           <a:prstGeom prst="rect">
@@ -5780,6 +5780,80 @@
               <a:rPr lang="en-US" sz="1200" dirty="0"/>
               <a:t> modifier</a:t>
             </a:r>
+          </a:p>
+        </p:txBody>
+      </p:sp>
+      <p:sp>
+        <p:nvSpPr>
+          <p:cNvPr id="22" name="Rectangle 21"/>
+          <p:cNvSpPr/>
+          <p:nvPr/>
+        </p:nvSpPr>
+        <p:spPr>
+          <a:xfrm>
+            <a:off x="1254525" y="475865"/>
+            <a:ext cx="6993087" cy="461665"/>
+          </a:xfrm>
+          <a:prstGeom prst="rect">
+            <a:avLst/>
+          </a:prstGeom>
+        </p:spPr>
+        <p:style>
+          <a:lnRef idx="1">
+            <a:schemeClr val="accent5"/>
+          </a:lnRef>
+          <a:fillRef idx="2">
+            <a:schemeClr val="accent5"/>
+          </a:fillRef>
+          <a:effectRef idx="1">
+            <a:schemeClr val="accent5"/>
+          </a:effectRef>
+          <a:fontRef idx="minor">
+            <a:schemeClr val="dk1"/>
+          </a:fontRef>
+        </p:style>
+        <p:txBody>
+          <a:bodyPr wrap="square">
+            <a:spAutoFit/>
+          </a:bodyPr>
+          <a:lstStyle/>
+          <a:p>
+            <a:r>
+              <a:rPr lang="en-US" sz="1200" dirty="0"/>
+              <a:t>A </a:t>
+            </a:r>
+            <a:r>
+              <a:rPr lang="en-US" sz="1200" dirty="0" smtClean="0"/>
+              <a:t>member(field/method/Constructor) may </a:t>
+            </a:r>
+            <a:r>
+              <a:rPr lang="en-US" sz="1200" dirty="0"/>
+              <a:t>be declared with the modifier </a:t>
+            </a:r>
+            <a:r>
+              <a:rPr lang="en-US" sz="1200" dirty="0"/>
+              <a:t>public</a:t>
+            </a:r>
+            <a:r>
+              <a:rPr lang="en-US" sz="1200" dirty="0"/>
+              <a:t>, in which case that </a:t>
+            </a:r>
+            <a:r>
+              <a:rPr lang="en-US" sz="1200" dirty="0"/>
+              <a:t>member(field/method/Constructor) </a:t>
+            </a:r>
+            <a:r>
+              <a:rPr lang="en-US" sz="1200" dirty="0" smtClean="0"/>
+              <a:t>is </a:t>
+            </a:r>
+            <a:r>
+              <a:rPr lang="en-US" sz="1200" dirty="0"/>
+              <a:t>visible to all classes </a:t>
+            </a:r>
+            <a:r>
+              <a:rPr lang="en-US" sz="1200" dirty="0" smtClean="0"/>
+              <a:t>everywhere.</a:t>
+            </a:r>
             <a:endParaRPr lang="en-US" sz="1200" dirty="0"/>
           </a:p>
         </p:txBody>
@@ -6660,7 +6734,57 @@
               <a:rPr lang="en-US" sz="1200" dirty="0"/>
               <a:t> modifier</a:t>
             </a:r>
-            <a:endParaRPr lang="en-US" sz="1200" dirty="0"/>
+          </a:p>
+        </p:txBody>
+      </p:sp>
+      <p:sp>
+        <p:nvSpPr>
+          <p:cNvPr id="22" name="Rectangle 21"/>
+          <p:cNvSpPr/>
+          <p:nvPr/>
+        </p:nvSpPr>
+        <p:spPr>
+          <a:xfrm>
+            <a:off x="612775" y="408807"/>
+            <a:ext cx="7388225" cy="276999"/>
+          </a:xfrm>
+          <a:prstGeom prst="rect">
+            <a:avLst/>
+          </a:prstGeom>
+        </p:spPr>
+        <p:style>
+          <a:lnRef idx="1">
+            <a:schemeClr val="accent5"/>
+          </a:lnRef>
+          <a:fillRef idx="2">
+            <a:schemeClr val="accent5"/>
+          </a:fillRef>
+          <a:effectRef idx="1">
+            <a:schemeClr val="accent5"/>
+          </a:effectRef>
+          <a:fontRef idx="minor">
+            <a:schemeClr val="dk1"/>
+          </a:fontRef>
+        </p:style>
+        <p:txBody>
+          <a:bodyPr wrap="square">
+            <a:spAutoFit/>
+          </a:bodyPr>
+          <a:lstStyle/>
+          <a:p>
+            <a:pPr algn="ctr"/>
+            <a:r>
+              <a:rPr lang="en-US" sz="1200" dirty="0"/>
+              <a:t>The private modifier specifies that the </a:t>
+            </a:r>
+            <a:r>
+              <a:rPr lang="en-US" sz="1200" dirty="0" smtClean="0"/>
+              <a:t>member(field/method/Constructor) </a:t>
+            </a:r>
+            <a:r>
+              <a:rPr lang="en-US" sz="1200" dirty="0"/>
+              <a:t>can only be accessed in its own class.</a:t>
+            </a:r>
           </a:p>
         </p:txBody>
       </p:sp>
@@ -7034,7 +7158,7 @@
         </p:nvSpPr>
         <p:spPr>
           <a:xfrm>
-            <a:off x="1979516" y="1496198"/>
+            <a:off x="2042017" y="1510099"/>
             <a:ext cx="2496280" cy="914400"/>
           </a:xfrm>
           <a:prstGeom prst="roundRect">
@@ -7077,7 +7201,7 @@
           <a:p>
             <a:r>
               <a:rPr lang="en-US" sz="1200" b="1" dirty="0" smtClean="0"/>
-              <a:t>    String </a:t>
+              <a:t>   protected String </a:t>
             </a:r>
             <a:r>
               <a:rPr lang="en-US" sz="1200" b="1" dirty="0"/>
@@ -7113,7 +7237,7 @@
         </p:nvSpPr>
         <p:spPr>
           <a:xfrm>
-            <a:off x="5402405" y="1496198"/>
+            <a:off x="5464906" y="1510099"/>
             <a:ext cx="2901710" cy="914400"/>
           </a:xfrm>
           <a:prstGeom prst="roundRect">
@@ -7160,7 +7284,7 @@
         </p:nvSpPr>
         <p:spPr>
           <a:xfrm>
-            <a:off x="2846892" y="1149695"/>
+            <a:off x="2909393" y="1163596"/>
             <a:ext cx="742832" cy="276999"/>
           </a:xfrm>
           <a:prstGeom prst="rect">
@@ -7202,7 +7326,7 @@
         </p:nvSpPr>
         <p:spPr>
           <a:xfrm>
-            <a:off x="6259773" y="1149695"/>
+            <a:off x="6322274" y="1163596"/>
             <a:ext cx="742832" cy="276999"/>
           </a:xfrm>
           <a:prstGeom prst="rect">
@@ -7245,7 +7369,7 @@
         </p:nvCxnSpPr>
         <p:spPr>
           <a:xfrm>
-            <a:off x="3884515" y="2410598"/>
+            <a:off x="3947016" y="2424499"/>
             <a:ext cx="943878" cy="720297"/>
           </a:xfrm>
           <a:prstGeom prst="straightConnector1">
@@ -7278,7 +7402,7 @@
         </p:nvCxnSpPr>
         <p:spPr>
           <a:xfrm flipH="1">
-            <a:off x="4875115" y="2064095"/>
+            <a:off x="4937616" y="2077996"/>
             <a:ext cx="1676400" cy="1066800"/>
           </a:xfrm>
           <a:prstGeom prst="straightConnector1">
@@ -7311,8 +7435,8 @@
         </p:nvSpPr>
         <p:spPr>
           <a:xfrm>
-            <a:off x="3068708" y="3283294"/>
-            <a:ext cx="4736810" cy="830997"/>
+            <a:off x="2909393" y="3163845"/>
+            <a:ext cx="4736810" cy="1015663"/>
           </a:xfrm>
           <a:prstGeom prst="rect">
             <a:avLst/>
@@ -7412,7 +7536,7 @@
                   <a:srgbClr val="FF0000"/>
                 </a:solidFill>
               </a:rPr>
-              <a:t>cannot</a:t>
+              <a:t>can</a:t>
             </a:r>
             <a:r>
               <a:rPr lang="en-US" sz="1200" dirty="0">
@@ -7423,16 +7547,22 @@
               <a:t> </a:t>
             </a:r>
             <a:r>
+              <a:rPr lang="en-US" sz="1200" dirty="0"/>
+              <a:t>access the Student class name </a:t>
+            </a:r>
+            <a:r>
               <a:rPr lang="en-US" sz="1200" dirty="0" smtClean="0"/>
-              <a:t>access </a:t>
-            </a:r>
+              <a:t>field because </a:t>
+            </a:r>
+          </a:p>
+          <a:p>
             <a:r>
               <a:rPr lang="en-US" sz="1200" dirty="0"/>
-              <a:t>the Student class name field</a:t>
+              <a:t> </a:t>
             </a:r>
             <a:r>
               <a:rPr lang="en-US" sz="1200" dirty="0" smtClean="0"/>
-              <a:t>.</a:t>
+              <a:t>    PrekgStudent class is subclass of Student class.</a:t>
             </a:r>
             <a:endParaRPr lang="en-US" sz="1200" dirty="0"/>
           </a:p>
@@ -7442,8 +7572,12 @@
               <a:buChar char="ü"/>
             </a:pPr>
             <a:r>
+              <a:rPr lang="en-US" sz="1200" dirty="0" smtClean="0"/>
+              <a:t>StudentMyPack2Test </a:t>
+            </a:r>
+            <a:r>
               <a:rPr lang="en-US" sz="1200" dirty="0"/>
-              <a:t>StudentMyPack2Test class </a:t>
+              <a:t>class </a:t>
             </a:r>
             <a:r>
               <a:rPr lang="en-US" sz="1200" dirty="0" smtClean="0">
@@ -7484,13 +7618,13 @@
         </p:nvSpPr>
         <p:spPr>
           <a:xfrm>
-            <a:off x="362070" y="1274293"/>
-            <a:ext cx="1489075" cy="789802"/>
+            <a:off x="400541" y="1163596"/>
+            <a:ext cx="1641476" cy="835613"/>
           </a:xfrm>
           <a:prstGeom prst="wedgeRectCallout">
             <a:avLst>
-              <a:gd name="adj1" fmla="val 75876"/>
-              <a:gd name="adj2" fmla="val 35928"/>
+              <a:gd name="adj1" fmla="val 63572"/>
+              <a:gd name="adj2" fmla="val 44370"/>
             </a:avLst>
           </a:prstGeom>
         </p:spPr>
@@ -7526,27 +7660,77 @@
             </a:r>
             <a:r>
               <a:rPr lang="en-US" sz="1200" b="1" dirty="0"/>
-              <a:t>no </a:t>
-            </a:r>
-            <a:r>
-              <a:rPr lang="en-US" sz="1200" b="1" dirty="0" smtClean="0"/>
-              <a:t>modifier </a:t>
-            </a:r>
-            <a:r>
-              <a:rPr lang="en-US" sz="1200" b="1" dirty="0"/>
-              <a:t>(</a:t>
-            </a:r>
-            <a:r>
-              <a:rPr lang="en-US" sz="1200" b="1" i="1" dirty="0"/>
+              <a:t>protected</a:t>
+            </a:r>
+            <a:r>
+              <a:rPr lang="en-US" sz="1200" dirty="0"/>
+              <a:t> modifier</a:t>
+            </a:r>
+          </a:p>
+        </p:txBody>
+      </p:sp>
+      <p:sp>
+        <p:nvSpPr>
+          <p:cNvPr id="24" name="Rectangle 23"/>
+          <p:cNvSpPr/>
+          <p:nvPr/>
+        </p:nvSpPr>
+        <p:spPr>
+          <a:xfrm>
+            <a:off x="612775" y="408807"/>
+            <a:ext cx="7540625" cy="461665"/>
+          </a:xfrm>
+          <a:prstGeom prst="rect">
+            <a:avLst/>
+          </a:prstGeom>
+        </p:spPr>
+        <p:style>
+          <a:lnRef idx="1">
+            <a:schemeClr val="accent5"/>
+          </a:lnRef>
+          <a:fillRef idx="2">
+            <a:schemeClr val="accent5"/>
+          </a:fillRef>
+          <a:effectRef idx="1">
+            <a:schemeClr val="accent5"/>
+          </a:effectRef>
+          <a:fontRef idx="minor">
+            <a:schemeClr val="dk1"/>
+          </a:fontRef>
+        </p:style>
+        <p:txBody>
+          <a:bodyPr wrap="square">
+            <a:spAutoFit/>
+          </a:bodyPr>
+          <a:lstStyle/>
+          <a:p>
+            <a:r>
+              <a:rPr lang="en-US" sz="1200" dirty="0"/>
+              <a:t>The </a:t>
+            </a:r>
+            <a:r>
+              <a:rPr lang="en-US" sz="1200" dirty="0"/>
+              <a:t>protected</a:t>
+            </a:r>
+            <a:r>
+              <a:rPr lang="en-US" sz="1200" dirty="0"/>
+              <a:t> modifier specifies that the </a:t>
+            </a:r>
+            <a:r>
+              <a:rPr lang="en-US" sz="1200" dirty="0" smtClean="0"/>
+              <a:t>member(field/method/Constructor) </a:t>
+            </a:r>
+            <a:r>
+              <a:rPr lang="en-US" sz="1200" dirty="0"/>
+              <a:t>can only be accessed within its own package (as with </a:t>
+            </a:r>
+            <a:r>
+              <a:rPr lang="en-US" sz="1200" i="1" dirty="0"/>
               <a:t>package-private</a:t>
             </a:r>
             <a:r>
-              <a:rPr lang="en-US" sz="1200" b="1" dirty="0"/>
-              <a:t>)</a:t>
-            </a:r>
-            <a:r>
               <a:rPr lang="en-US" sz="1200" dirty="0"/>
-              <a:t>  modifier</a:t>
+              <a:t>) and, in addition, by a subclass of its class in another package.</a:t>
             </a:r>
             <a:endParaRPr lang="en-US" sz="1200" dirty="0"/>
           </a:p>
@@ -7555,7 +7739,7 @@
     </p:spTree>
     <p:extLst>
       <p:ext uri="{BB962C8B-B14F-4D97-AF65-F5344CB8AC3E}">
-        <p14:creationId xmlns:p14="http://schemas.microsoft.com/office/powerpoint/2010/main" val="2949461939"/>
+        <p14:creationId xmlns:p14="http://schemas.microsoft.com/office/powerpoint/2010/main" val="3638973840"/>
       </p:ext>
     </p:extLst>
   </p:cSld>
@@ -7922,7 +8106,7 @@
         </p:nvSpPr>
         <p:spPr>
           <a:xfrm>
-            <a:off x="2042017" y="1510099"/>
+            <a:off x="1979516" y="1496198"/>
             <a:ext cx="2496280" cy="914400"/>
           </a:xfrm>
           <a:prstGeom prst="roundRect">
@@ -7965,7 +8149,7 @@
           <a:p>
             <a:r>
               <a:rPr lang="en-US" sz="1200" b="1" dirty="0" smtClean="0"/>
-              <a:t>   protected String </a:t>
+              <a:t>    String </a:t>
             </a:r>
             <a:r>
               <a:rPr lang="en-US" sz="1200" b="1" dirty="0"/>
@@ -8001,7 +8185,7 @@
         </p:nvSpPr>
         <p:spPr>
           <a:xfrm>
-            <a:off x="5464906" y="1510099"/>
+            <a:off x="5402405" y="1496198"/>
             <a:ext cx="2901710" cy="914400"/>
           </a:xfrm>
           <a:prstGeom prst="roundRect">
@@ -8048,7 +8232,7 @@
         </p:nvSpPr>
         <p:spPr>
           <a:xfrm>
-            <a:off x="2909393" y="1163596"/>
+            <a:off x="2846892" y="1149695"/>
             <a:ext cx="742832" cy="276999"/>
           </a:xfrm>
           <a:prstGeom prst="rect">
@@ -8090,7 +8274,7 @@
         </p:nvSpPr>
         <p:spPr>
           <a:xfrm>
-            <a:off x="6322274" y="1163596"/>
+            <a:off x="6259773" y="1149695"/>
             <a:ext cx="742832" cy="276999"/>
           </a:xfrm>
           <a:prstGeom prst="rect">
@@ -8133,7 +8317,7 @@
         </p:nvCxnSpPr>
         <p:spPr>
           <a:xfrm>
-            <a:off x="3947016" y="2424499"/>
+            <a:off x="3884515" y="2410598"/>
             <a:ext cx="943878" cy="720297"/>
           </a:xfrm>
           <a:prstGeom prst="straightConnector1">
@@ -8166,7 +8350,7 @@
         </p:nvCxnSpPr>
         <p:spPr>
           <a:xfrm flipH="1">
-            <a:off x="4937616" y="2077996"/>
+            <a:off x="4875115" y="2064095"/>
             <a:ext cx="1676400" cy="1066800"/>
           </a:xfrm>
           <a:prstGeom prst="straightConnector1">
@@ -8199,8 +8383,8 @@
         </p:nvSpPr>
         <p:spPr>
           <a:xfrm>
-            <a:off x="2909393" y="3163845"/>
-            <a:ext cx="4736810" cy="1015663"/>
+            <a:off x="3068708" y="3283294"/>
+            <a:ext cx="4736810" cy="830997"/>
           </a:xfrm>
           <a:prstGeom prst="rect">
             <a:avLst/>
@@ -8300,7 +8484,7 @@
                   <a:srgbClr val="FF0000"/>
                 </a:solidFill>
               </a:rPr>
-              <a:t>can</a:t>
+              <a:t>cannot</a:t>
             </a:r>
             <a:r>
               <a:rPr lang="en-US" sz="1200" dirty="0">
@@ -8311,22 +8495,16 @@
               <a:t> </a:t>
             </a:r>
             <a:r>
+              <a:rPr lang="en-US" sz="1200" dirty="0" smtClean="0"/>
+              <a:t>access </a:t>
+            </a:r>
+            <a:r>
               <a:rPr lang="en-US" sz="1200" dirty="0"/>
-              <a:t>access the Student class name </a:t>
+              <a:t>the Student class name field</a:t>
             </a:r>
             <a:r>
               <a:rPr lang="en-US" sz="1200" dirty="0" smtClean="0"/>
-              <a:t>field because </a:t>
-            </a:r>
-          </a:p>
-          <a:p>
-            <a:r>
-              <a:rPr lang="en-US" sz="1200" dirty="0"/>
-              <a:t> </a:t>
-            </a:r>
-            <a:r>
-              <a:rPr lang="en-US" sz="1200" dirty="0" smtClean="0"/>
-              <a:t>    PrekgStudent class is subclass of Student class.</a:t>
+              <a:t>.</a:t>
             </a:r>
             <a:endParaRPr lang="en-US" sz="1200" dirty="0"/>
           </a:p>
@@ -8336,12 +8514,8 @@
               <a:buChar char="ü"/>
             </a:pPr>
             <a:r>
-              <a:rPr lang="en-US" sz="1200" dirty="0" smtClean="0"/>
-              <a:t>StudentMyPack2Test </a:t>
-            </a:r>
-            <a:r>
               <a:rPr lang="en-US" sz="1200" dirty="0"/>
-              <a:t>class </a:t>
+              <a:t>StudentMyPack2Test class </a:t>
             </a:r>
             <a:r>
               <a:rPr lang="en-US" sz="1200" dirty="0" smtClean="0">
@@ -8382,13 +8556,13 @@
         </p:nvSpPr>
         <p:spPr>
           <a:xfrm>
-            <a:off x="400541" y="1163596"/>
-            <a:ext cx="1641476" cy="835613"/>
+            <a:off x="362070" y="1274293"/>
+            <a:ext cx="1489075" cy="789802"/>
           </a:xfrm>
           <a:prstGeom prst="wedgeRectCallout">
             <a:avLst>
-              <a:gd name="adj1" fmla="val 63572"/>
-              <a:gd name="adj2" fmla="val 44370"/>
+              <a:gd name="adj1" fmla="val 75876"/>
+              <a:gd name="adj2" fmla="val 35928"/>
             </a:avLst>
           </a:prstGeom>
         </p:spPr>
@@ -8424,11 +8598,89 @@
             </a:r>
             <a:r>
               <a:rPr lang="en-US" sz="1200" b="1" dirty="0"/>
-              <a:t>protected</a:t>
+              <a:t>no </a:t>
+            </a:r>
+            <a:r>
+              <a:rPr lang="en-US" sz="1200" b="1" dirty="0" smtClean="0"/>
+              <a:t>modifier </a:t>
+            </a:r>
+            <a:r>
+              <a:rPr lang="en-US" sz="1200" b="1" dirty="0"/>
+              <a:t>(</a:t>
+            </a:r>
+            <a:r>
+              <a:rPr lang="en-US" sz="1200" b="1" i="1" dirty="0"/>
+              <a:t>package-private</a:t>
+            </a:r>
+            <a:r>
+              <a:rPr lang="en-US" sz="1200" b="1" dirty="0"/>
+              <a:t>)</a:t>
             </a:r>
             <a:r>
               <a:rPr lang="en-US" sz="1200" dirty="0"/>
-              <a:t> modifier</a:t>
+              <a:t>  modifier</a:t>
+            </a:r>
+          </a:p>
+        </p:txBody>
+      </p:sp>
+      <p:sp>
+        <p:nvSpPr>
+          <p:cNvPr id="24" name="Rectangle 23"/>
+          <p:cNvSpPr/>
+          <p:nvPr/>
+        </p:nvSpPr>
+        <p:spPr>
+          <a:xfrm>
+            <a:off x="1254525" y="475865"/>
+            <a:ext cx="6993087" cy="461665"/>
+          </a:xfrm>
+          <a:prstGeom prst="rect">
+            <a:avLst/>
+          </a:prstGeom>
+        </p:spPr>
+        <p:style>
+          <a:lnRef idx="1">
+            <a:schemeClr val="accent5"/>
+          </a:lnRef>
+          <a:fillRef idx="2">
+            <a:schemeClr val="accent5"/>
+          </a:fillRef>
+          <a:effectRef idx="1">
+            <a:schemeClr val="accent5"/>
+          </a:effectRef>
+          <a:fontRef idx="minor">
+            <a:schemeClr val="dk1"/>
+          </a:fontRef>
+        </p:style>
+        <p:txBody>
+          <a:bodyPr wrap="square">
+            <a:spAutoFit/>
+          </a:bodyPr>
+          <a:lstStyle/>
+          <a:p>
+            <a:r>
+              <a:rPr lang="en-US" sz="1200" dirty="0" smtClean="0"/>
+              <a:t>If </a:t>
+            </a:r>
+            <a:r>
+              <a:rPr lang="en-US" sz="1200" dirty="0"/>
+              <a:t>a </a:t>
+            </a:r>
+            <a:r>
+              <a:rPr lang="en-US" sz="1200" dirty="0" smtClean="0"/>
+              <a:t>member(field/method/Constructor) has </a:t>
+            </a:r>
+            <a:r>
+              <a:rPr lang="en-US" sz="1200" dirty="0"/>
+              <a:t>no modifier (the default, also known as </a:t>
+            </a:r>
+            <a:r>
+              <a:rPr lang="en-US" sz="1200" i="1" dirty="0"/>
+              <a:t>package-private</a:t>
+            </a:r>
+            <a:r>
+              <a:rPr lang="en-US" sz="1200" dirty="0"/>
+              <a:t>), it is visible only within its own package</a:t>
             </a:r>
             <a:endParaRPr lang="en-US" sz="1200" dirty="0"/>
           </a:p>
@@ -8437,7 +8689,7 @@
     </p:spTree>
     <p:extLst>
       <p:ext uri="{BB962C8B-B14F-4D97-AF65-F5344CB8AC3E}">
-        <p14:creationId xmlns:p14="http://schemas.microsoft.com/office/powerpoint/2010/main" val="3638973840"/>
+        <p14:creationId xmlns:p14="http://schemas.microsoft.com/office/powerpoint/2010/main" val="2949461939"/>
       </p:ext>
     </p:extLst>
   </p:cSld>

--- a/Later/Java Access Modifiers - Member Level-Field/Java Access Modifiers - Member Level-Field.pptx
+++ b/Later/Java Access Modifiers - Member Level-Field/Java Access Modifiers - Member Level-Field.pptx
@@ -4874,7 +4874,7 @@
         <p:spPr>
           <a:xfrm>
             <a:off x="882649" y="486733"/>
-            <a:ext cx="7508787" cy="261610"/>
+            <a:ext cx="6883616" cy="261610"/>
           </a:xfrm>
           <a:prstGeom prst="rect">
             <a:avLst/>
@@ -4906,7 +4906,11 @@
             </a:r>
             <a:r>
               <a:rPr lang="en-US" sz="1100" dirty="0" smtClean="0"/>
-              <a:t>level (Field/method/constructor)—</a:t>
+              <a:t>level (</a:t>
+            </a:r>
+            <a:r>
+              <a:rPr lang="en-US" sz="1100" dirty="0" smtClean="0"/>
+              <a:t>Field/method)—</a:t>
             </a:r>
             <a:r>
               <a:rPr lang="en-US" sz="1100" dirty="0"/>
@@ -5791,8 +5795,8 @@
         </p:nvSpPr>
         <p:spPr>
           <a:xfrm>
-            <a:off x="1254525" y="475865"/>
-            <a:ext cx="6993087" cy="461665"/>
+            <a:off x="516155" y="475865"/>
+            <a:ext cx="8226424" cy="461665"/>
           </a:xfrm>
           <a:prstGeom prst="rect">
             <a:avLst/>
@@ -5824,23 +5828,23 @@
             </a:r>
             <a:r>
               <a:rPr lang="en-US" sz="1200" dirty="0" smtClean="0"/>
-              <a:t>member(field/method/Constructor) may </a:t>
+              <a:t>member(field/method) </a:t>
+            </a:r>
+            <a:r>
+              <a:rPr lang="en-US" sz="1200" dirty="0" smtClean="0"/>
+              <a:t>may </a:t>
             </a:r>
             <a:r>
               <a:rPr lang="en-US" sz="1200" dirty="0"/>
-              <a:t>be declared with the modifier </a:t>
+              <a:t>be declared with the modifier public, in which case that </a:t>
+            </a:r>
+            <a:r>
+              <a:rPr lang="en-US" sz="1200" dirty="0" smtClean="0"/>
+              <a:t>member(field/method/Constructor</a:t>
             </a:r>
             <a:r>
               <a:rPr lang="en-US" sz="1200" dirty="0"/>
-              <a:t>public</a:t>
-            </a:r>
-            <a:r>
-              <a:rPr lang="en-US" sz="1200" dirty="0"/>
-              <a:t>, in which case that </a:t>
-            </a:r>
-            <a:r>
-              <a:rPr lang="en-US" sz="1200" dirty="0"/>
-              <a:t>member(field/method/Constructor) </a:t>
+              <a:t>) </a:t>
             </a:r>
             <a:r>
               <a:rPr lang="en-US" sz="1200" dirty="0" smtClean="0"/>
@@ -6779,7 +6783,7 @@
             </a:r>
             <a:r>
               <a:rPr lang="en-US" sz="1200" dirty="0" smtClean="0"/>
-              <a:t>member(field/method/Constructor) </a:t>
+              <a:t>member(field/method) </a:t>
             </a:r>
             <a:r>
               <a:rPr lang="en-US" sz="1200" dirty="0"/>
@@ -7706,19 +7710,11 @@
           <a:p>
             <a:r>
               <a:rPr lang="en-US" sz="1200" dirty="0"/>
-              <a:t>The </a:t>
-            </a:r>
-            <a:r>
-              <a:rPr lang="en-US" sz="1200" dirty="0"/>
-              <a:t>protected</a:t>
-            </a:r>
-            <a:r>
-              <a:rPr lang="en-US" sz="1200" dirty="0"/>
-              <a:t> modifier specifies that the </a:t>
+              <a:t>The protected modifier specifies that the </a:t>
             </a:r>
             <a:r>
               <a:rPr lang="en-US" sz="1200" dirty="0" smtClean="0"/>
-              <a:t>member(field/method/Constructor) </a:t>
+              <a:t>member(field/method) </a:t>
             </a:r>
             <a:r>
               <a:rPr lang="en-US" sz="1200" dirty="0"/>
@@ -7732,7 +7728,6 @@
               <a:rPr lang="en-US" sz="1200" dirty="0"/>
               <a:t>) and, in addition, by a subclass of its class in another package.</a:t>
             </a:r>
-            <a:endParaRPr lang="en-US" sz="1200" dirty="0"/>
           </a:p>
         </p:txBody>
       </p:sp>
@@ -8668,7 +8663,11 @@
             </a:r>
             <a:r>
               <a:rPr lang="en-US" sz="1200" dirty="0" smtClean="0"/>
-              <a:t>member(field/method/Constructor) has </a:t>
+              <a:t>member(field/method) </a:t>
+            </a:r>
+            <a:r>
+              <a:rPr lang="en-US" sz="1200" dirty="0" smtClean="0"/>
+              <a:t>has </a:t>
             </a:r>
             <a:r>
               <a:rPr lang="en-US" sz="1200" dirty="0"/>
@@ -8682,7 +8681,6 @@
               <a:rPr lang="en-US" sz="1200" dirty="0"/>
               <a:t>), it is visible only within its own package</a:t>
             </a:r>
-            <a:endParaRPr lang="en-US" sz="1200" dirty="0"/>
           </a:p>
         </p:txBody>
       </p:sp>

--- a/Later/Java Access Modifiers - Member Level-Field/Java Access Modifiers - Member Level-Field.pptx
+++ b/Later/Java Access Modifiers - Member Level-Field/Java Access Modifiers - Member Level-Field.pptx
@@ -4874,7 +4874,7 @@
         <p:spPr>
           <a:xfrm>
             <a:off x="882649" y="486733"/>
-            <a:ext cx="6883616" cy="261610"/>
+            <a:ext cx="6322565" cy="261610"/>
           </a:xfrm>
           <a:prstGeom prst="rect">
             <a:avLst/>
@@ -4902,19 +4902,23 @@
           <a:p>
             <a:r>
               <a:rPr lang="en-US" sz="1100" dirty="0"/>
-              <a:t>At the member </a:t>
+              <a:t>At the </a:t>
+            </a:r>
+            <a:r>
+              <a:rPr lang="en-US" sz="1100" b="1" dirty="0"/>
+              <a:t>f</a:t>
+            </a:r>
+            <a:r>
+              <a:rPr lang="en-US" sz="1100" b="1" dirty="0" smtClean="0"/>
+              <a:t>ield/attribute</a:t>
             </a:r>
             <a:r>
               <a:rPr lang="en-US" sz="1100" dirty="0" smtClean="0"/>
-              <a:t>level (</a:t>
-            </a:r>
-            <a:r>
-              <a:rPr lang="en-US" sz="1100" dirty="0" smtClean="0"/>
-              <a:t>Field/method)—</a:t>
+              <a:t> level —public</a:t>
             </a:r>
             <a:r>
               <a:rPr lang="en-US" sz="1100" dirty="0"/>
-              <a:t>public, private, protected, or package-private (no explicit modifier</a:t>
+              <a:t>, private, protected, or package-private (no explicit modifier</a:t>
             </a:r>
             <a:r>
               <a:rPr lang="en-US" sz="1100" dirty="0" smtClean="0"/>
@@ -5294,7 +5298,7 @@
         </p:nvSpPr>
         <p:spPr>
           <a:xfrm>
-            <a:off x="1902192" y="1510099"/>
+            <a:off x="2264866" y="1967299"/>
             <a:ext cx="2496280" cy="914400"/>
           </a:xfrm>
           <a:prstGeom prst="roundRect">
@@ -5377,7 +5381,7 @@
         </p:nvSpPr>
         <p:spPr>
           <a:xfrm>
-            <a:off x="5325081" y="1510099"/>
+            <a:off x="5687755" y="1967299"/>
             <a:ext cx="2901710" cy="914400"/>
           </a:xfrm>
           <a:prstGeom prst="roundRect">
@@ -5424,7 +5428,7 @@
         </p:nvSpPr>
         <p:spPr>
           <a:xfrm>
-            <a:off x="2769568" y="1163596"/>
+            <a:off x="3132242" y="1620796"/>
             <a:ext cx="742832" cy="276999"/>
           </a:xfrm>
           <a:prstGeom prst="rect">
@@ -5466,7 +5470,7 @@
         </p:nvSpPr>
         <p:spPr>
           <a:xfrm>
-            <a:off x="6182449" y="1163596"/>
+            <a:off x="6545123" y="1620796"/>
             <a:ext cx="742832" cy="276999"/>
           </a:xfrm>
           <a:prstGeom prst="rect">
@@ -5509,7 +5513,7 @@
         </p:nvCxnSpPr>
         <p:spPr>
           <a:xfrm>
-            <a:off x="3807191" y="2424499"/>
+            <a:off x="4169865" y="2881699"/>
             <a:ext cx="943878" cy="720297"/>
           </a:xfrm>
           <a:prstGeom prst="straightConnector1">
@@ -5542,8 +5546,8 @@
         </p:nvCxnSpPr>
         <p:spPr>
           <a:xfrm flipH="1">
-            <a:off x="4797791" y="2077996"/>
-            <a:ext cx="1676400" cy="1066800"/>
+            <a:off x="5160465" y="2590800"/>
+            <a:ext cx="1676400" cy="1011196"/>
           </a:xfrm>
           <a:prstGeom prst="straightConnector1">
             <a:avLst/>
@@ -5575,7 +5579,7 @@
         </p:nvSpPr>
         <p:spPr>
           <a:xfrm>
-            <a:off x="2991384" y="3297195"/>
+            <a:off x="3354058" y="3754395"/>
             <a:ext cx="4523611" cy="830997"/>
           </a:xfrm>
           <a:prstGeom prst="rect">
@@ -5736,13 +5740,13 @@
         </p:nvSpPr>
         <p:spPr>
           <a:xfrm>
-            <a:off x="260716" y="1302094"/>
-            <a:ext cx="1388845" cy="697115"/>
+            <a:off x="421629" y="1759294"/>
+            <a:ext cx="1590607" cy="697115"/>
           </a:xfrm>
           <a:prstGeom prst="wedgeRectCallout">
             <a:avLst>
-              <a:gd name="adj1" fmla="val 85471"/>
-              <a:gd name="adj2" fmla="val 44370"/>
+              <a:gd name="adj1" fmla="val 81878"/>
+              <a:gd name="adj2" fmla="val 41637"/>
             </a:avLst>
           </a:prstGeom>
         </p:spPr>
@@ -5766,15 +5770,31 @@
           <a:p>
             <a:r>
               <a:rPr lang="en-US" sz="1200" dirty="0"/>
-              <a:t>At the member level, you can </a:t>
+              <a:t>At the </a:t>
+            </a:r>
+            <a:r>
+              <a:rPr lang="en-US" sz="1200" b="1" dirty="0" smtClean="0"/>
+              <a:t>field/attribute</a:t>
+            </a:r>
+            <a:r>
+              <a:rPr lang="en-US" sz="1200" dirty="0" smtClean="0"/>
+              <a:t>, </a:t>
+            </a:r>
+            <a:r>
+              <a:rPr lang="en-US" sz="1200" dirty="0"/>
+              <a:t>you can </a:t>
             </a:r>
             <a:r>
               <a:rPr lang="en-US" sz="1200" dirty="0" smtClean="0"/>
               <a:t>use </a:t>
             </a:r>
             <a:r>
+              <a:rPr lang="en-US" sz="1200" dirty="0" smtClean="0"/>
+              <a:t>the</a:t>
+            </a:r>
+            <a:r>
               <a:rPr lang="en-US" sz="1200" dirty="0"/>
-              <a:t>the </a:t>
+              <a:t> </a:t>
             </a:r>
             <a:r>
               <a:rPr lang="en-US" sz="1200" b="1" dirty="0"/>
@@ -5796,7 +5816,7 @@
         <p:spPr>
           <a:xfrm>
             <a:off x="516155" y="475865"/>
-            <a:ext cx="8226424" cy="461665"/>
+            <a:ext cx="8226424" cy="276999"/>
           </a:xfrm>
           <a:prstGeom prst="rect">
             <a:avLst/>
@@ -5827,8 +5847,8 @@
               <a:t>A </a:t>
             </a:r>
             <a:r>
-              <a:rPr lang="en-US" sz="1200" dirty="0" smtClean="0"/>
-              <a:t>member(field/method) </a:t>
+              <a:rPr lang="en-US" sz="1200" b="1" dirty="0"/>
+              <a:t>field/attribute </a:t>
             </a:r>
             <a:r>
               <a:rPr lang="en-US" sz="1200" dirty="0" smtClean="0"/>
@@ -5836,15 +5856,23 @@
             </a:r>
             <a:r>
               <a:rPr lang="en-US" sz="1200" dirty="0"/>
-              <a:t>be declared with the modifier public, in which case that </a:t>
-            </a:r>
-            <a:r>
-              <a:rPr lang="en-US" sz="1200" dirty="0" smtClean="0"/>
-              <a:t>member(field/method/Constructor</a:t>
+              <a:t>be declared with the modifier </a:t>
+            </a:r>
+            <a:r>
+              <a:rPr lang="en-US" sz="1200" b="1" dirty="0"/>
+              <a:t>public</a:t>
             </a:r>
             <a:r>
               <a:rPr lang="en-US" sz="1200" dirty="0"/>
-              <a:t>) </a:t>
+              <a:t>, in which case that </a:t>
+            </a:r>
+            <a:r>
+              <a:rPr lang="en-US" sz="1200" b="1" dirty="0"/>
+              <a:t>field/attribute</a:t>
+            </a:r>
+            <a:r>
+              <a:rPr lang="en-US" sz="1200" dirty="0"/>
+              <a:t> </a:t>
             </a:r>
             <a:r>
               <a:rPr lang="en-US" sz="1200" dirty="0" smtClean="0"/>
@@ -6232,7 +6260,7 @@
         </p:nvSpPr>
         <p:spPr>
           <a:xfrm>
-            <a:off x="1891474" y="1510099"/>
+            <a:off x="2254793" y="1837549"/>
             <a:ext cx="2496280" cy="914400"/>
           </a:xfrm>
           <a:prstGeom prst="roundRect">
@@ -6319,7 +6347,7 @@
         </p:nvSpPr>
         <p:spPr>
           <a:xfrm>
-            <a:off x="5314363" y="1510099"/>
+            <a:off x="5677682" y="1837549"/>
             <a:ext cx="2901710" cy="914400"/>
           </a:xfrm>
           <a:prstGeom prst="roundRect">
@@ -6366,7 +6394,7 @@
         </p:nvSpPr>
         <p:spPr>
           <a:xfrm>
-            <a:off x="2758850" y="1163596"/>
+            <a:off x="3122169" y="1491046"/>
             <a:ext cx="742832" cy="276999"/>
           </a:xfrm>
           <a:prstGeom prst="rect">
@@ -6408,7 +6436,7 @@
         </p:nvSpPr>
         <p:spPr>
           <a:xfrm>
-            <a:off x="6171731" y="1163596"/>
+            <a:off x="6535050" y="1491046"/>
             <a:ext cx="742832" cy="276999"/>
           </a:xfrm>
           <a:prstGeom prst="rect">
@@ -6451,7 +6479,7 @@
         </p:nvCxnSpPr>
         <p:spPr>
           <a:xfrm>
-            <a:off x="3796473" y="2424499"/>
+            <a:off x="4159792" y="2751949"/>
             <a:ext cx="943878" cy="720297"/>
           </a:xfrm>
           <a:prstGeom prst="straightConnector1">
@@ -6484,7 +6512,7 @@
         </p:nvCxnSpPr>
         <p:spPr>
           <a:xfrm flipH="1">
-            <a:off x="4787073" y="2077996"/>
+            <a:off x="5150392" y="2405446"/>
             <a:ext cx="1676400" cy="1066800"/>
           </a:xfrm>
           <a:prstGeom prst="straightConnector1">
@@ -6517,7 +6545,7 @@
         </p:nvSpPr>
         <p:spPr>
           <a:xfrm>
-            <a:off x="2980666" y="3297195"/>
+            <a:off x="3343985" y="3624645"/>
             <a:ext cx="4736810" cy="830997"/>
           </a:xfrm>
           <a:prstGeom prst="rect">
@@ -6690,8 +6718,8 @@
         </p:nvSpPr>
         <p:spPr>
           <a:xfrm>
-            <a:off x="249998" y="1302094"/>
-            <a:ext cx="1489075" cy="697115"/>
+            <a:off x="422275" y="1629544"/>
+            <a:ext cx="1680118" cy="697115"/>
           </a:xfrm>
           <a:prstGeom prst="wedgeRectCallout">
             <a:avLst>
@@ -6720,7 +6748,19 @@
           <a:p>
             <a:r>
               <a:rPr lang="en-US" sz="1200" dirty="0"/>
-              <a:t>At the member level, you can </a:t>
+              <a:t>At the </a:t>
+            </a:r>
+            <a:r>
+              <a:rPr lang="en-US" sz="1200" b="1" dirty="0"/>
+              <a:t>field/attribute</a:t>
+            </a:r>
+            <a:r>
+              <a:rPr lang="en-US" sz="1200" dirty="0" smtClean="0"/>
+              <a:t>, </a:t>
+            </a:r>
+            <a:r>
+              <a:rPr lang="en-US" sz="1200" dirty="0"/>
+              <a:t>you can </a:t>
             </a:r>
             <a:r>
               <a:rPr lang="en-US" sz="1200" dirty="0" smtClean="0"/>
@@ -6749,8 +6789,8 @@
         </p:nvSpPr>
         <p:spPr>
           <a:xfrm>
-            <a:off x="612775" y="408807"/>
-            <a:ext cx="7388225" cy="276999"/>
+            <a:off x="1217617" y="408807"/>
+            <a:ext cx="6101590" cy="276999"/>
           </a:xfrm>
           <a:prstGeom prst="rect">
             <a:avLst/>
@@ -6779,11 +6819,23 @@
             <a:pPr algn="ctr"/>
             <a:r>
               <a:rPr lang="en-US" sz="1200" dirty="0"/>
-              <a:t>The private modifier specifies that the </a:t>
-            </a:r>
-            <a:r>
-              <a:rPr lang="en-US" sz="1200" dirty="0" smtClean="0"/>
-              <a:t>member(field/method) </a:t>
+              <a:t>The </a:t>
+            </a:r>
+            <a:r>
+              <a:rPr lang="en-US" sz="1200" b="1" dirty="0"/>
+              <a:t>private</a:t>
+            </a:r>
+            <a:r>
+              <a:rPr lang="en-US" sz="1200" dirty="0"/>
+              <a:t> modifier specifies that the </a:t>
+            </a:r>
+            <a:r>
+              <a:rPr lang="en-US" sz="1200" b="1" dirty="0"/>
+              <a:t>field/attribute</a:t>
+            </a:r>
+            <a:r>
+              <a:rPr lang="en-US" sz="1200" dirty="0"/>
+              <a:t> </a:t>
             </a:r>
             <a:r>
               <a:rPr lang="en-US" sz="1200" dirty="0"/>
@@ -7162,7 +7214,7 @@
         </p:nvSpPr>
         <p:spPr>
           <a:xfrm>
-            <a:off x="2042017" y="1510099"/>
+            <a:off x="2042017" y="1870247"/>
             <a:ext cx="2496280" cy="914400"/>
           </a:xfrm>
           <a:prstGeom prst="roundRect">
@@ -7241,7 +7293,7 @@
         </p:nvSpPr>
         <p:spPr>
           <a:xfrm>
-            <a:off x="5464906" y="1510099"/>
+            <a:off x="5464906" y="1870247"/>
             <a:ext cx="2901710" cy="914400"/>
           </a:xfrm>
           <a:prstGeom prst="roundRect">
@@ -7288,7 +7340,7 @@
         </p:nvSpPr>
         <p:spPr>
           <a:xfrm>
-            <a:off x="2909393" y="1163596"/>
+            <a:off x="2909393" y="1523744"/>
             <a:ext cx="742832" cy="276999"/>
           </a:xfrm>
           <a:prstGeom prst="rect">
@@ -7330,7 +7382,7 @@
         </p:nvSpPr>
         <p:spPr>
           <a:xfrm>
-            <a:off x="6322274" y="1163596"/>
+            <a:off x="6322274" y="1523744"/>
             <a:ext cx="742832" cy="276999"/>
           </a:xfrm>
           <a:prstGeom prst="rect">
@@ -7373,7 +7425,7 @@
         </p:nvCxnSpPr>
         <p:spPr>
           <a:xfrm>
-            <a:off x="3947016" y="2424499"/>
+            <a:off x="3947016" y="2784647"/>
             <a:ext cx="943878" cy="720297"/>
           </a:xfrm>
           <a:prstGeom prst="straightConnector1">
@@ -7406,7 +7458,7 @@
         </p:nvCxnSpPr>
         <p:spPr>
           <a:xfrm flipH="1">
-            <a:off x="4937616" y="2077996"/>
+            <a:off x="4937616" y="2438144"/>
             <a:ext cx="1676400" cy="1066800"/>
           </a:xfrm>
           <a:prstGeom prst="straightConnector1">
@@ -7439,7 +7491,7 @@
         </p:nvSpPr>
         <p:spPr>
           <a:xfrm>
-            <a:off x="2909393" y="3163845"/>
+            <a:off x="2909393" y="3523993"/>
             <a:ext cx="4736810" cy="1015663"/>
           </a:xfrm>
           <a:prstGeom prst="rect">
@@ -7622,7 +7674,7 @@
         </p:nvSpPr>
         <p:spPr>
           <a:xfrm>
-            <a:off x="400541" y="1163596"/>
+            <a:off x="400541" y="1523744"/>
             <a:ext cx="1641476" cy="835613"/>
           </a:xfrm>
           <a:prstGeom prst="wedgeRectCallout">
@@ -7652,7 +7704,19 @@
           <a:p>
             <a:r>
               <a:rPr lang="en-US" sz="1200" dirty="0"/>
-              <a:t>At the member level, you can </a:t>
+              <a:t>At the </a:t>
+            </a:r>
+            <a:r>
+              <a:rPr lang="en-US" sz="1200" b="1" dirty="0"/>
+              <a:t>field/attribute</a:t>
+            </a:r>
+            <a:r>
+              <a:rPr lang="en-US" sz="1200" dirty="0" smtClean="0"/>
+              <a:t>, </a:t>
+            </a:r>
+            <a:r>
+              <a:rPr lang="en-US" sz="1200" dirty="0"/>
+              <a:t>you can </a:t>
             </a:r>
             <a:r>
               <a:rPr lang="en-US" sz="1200" dirty="0" smtClean="0"/>
@@ -7681,8 +7745,8 @@
         </p:nvSpPr>
         <p:spPr>
           <a:xfrm>
-            <a:off x="612775" y="408807"/>
-            <a:ext cx="7540625" cy="461665"/>
+            <a:off x="730250" y="408806"/>
+            <a:ext cx="7121525" cy="461665"/>
           </a:xfrm>
           <a:prstGeom prst="rect">
             <a:avLst/>
@@ -7710,18 +7774,30 @@
           <a:p>
             <a:r>
               <a:rPr lang="en-US" sz="1200" dirty="0"/>
-              <a:t>The protected modifier specifies that the </a:t>
-            </a:r>
-            <a:r>
-              <a:rPr lang="en-US" sz="1200" dirty="0" smtClean="0"/>
-              <a:t>member(field/method) </a:t>
+              <a:t>The </a:t>
+            </a:r>
+            <a:r>
+              <a:rPr lang="en-US" sz="1200" b="1" dirty="0"/>
+              <a:t>protected</a:t>
+            </a:r>
+            <a:r>
+              <a:rPr lang="en-US" sz="1200" dirty="0"/>
+              <a:t> modifier specifies that the </a:t>
+            </a:r>
+            <a:r>
+              <a:rPr lang="en-US" sz="1200" b="1" dirty="0"/>
+              <a:t>field/attribute</a:t>
+            </a:r>
+            <a:r>
+              <a:rPr lang="en-US" sz="1200" dirty="0"/>
+              <a:t> </a:t>
             </a:r>
             <a:r>
               <a:rPr lang="en-US" sz="1200" dirty="0"/>
               <a:t>can only be accessed within its own package (as with </a:t>
             </a:r>
             <a:r>
-              <a:rPr lang="en-US" sz="1200" i="1" dirty="0"/>
+              <a:rPr lang="en-US" sz="1200" b="1" i="1" dirty="0"/>
               <a:t>package-private</a:t>
             </a:r>
             <a:r>
@@ -8101,7 +8177,7 @@
         </p:nvSpPr>
         <p:spPr>
           <a:xfrm>
-            <a:off x="1979516" y="1496198"/>
+            <a:off x="1979516" y="1856346"/>
             <a:ext cx="2496280" cy="914400"/>
           </a:xfrm>
           <a:prstGeom prst="roundRect">
@@ -8180,7 +8256,7 @@
         </p:nvSpPr>
         <p:spPr>
           <a:xfrm>
-            <a:off x="5402405" y="1496198"/>
+            <a:off x="5402405" y="1856346"/>
             <a:ext cx="2901710" cy="914400"/>
           </a:xfrm>
           <a:prstGeom prst="roundRect">
@@ -8227,7 +8303,7 @@
         </p:nvSpPr>
         <p:spPr>
           <a:xfrm>
-            <a:off x="2846892" y="1149695"/>
+            <a:off x="2846892" y="1509843"/>
             <a:ext cx="742832" cy="276999"/>
           </a:xfrm>
           <a:prstGeom prst="rect">
@@ -8269,7 +8345,7 @@
         </p:nvSpPr>
         <p:spPr>
           <a:xfrm>
-            <a:off x="6259773" y="1149695"/>
+            <a:off x="6259773" y="1509843"/>
             <a:ext cx="742832" cy="276999"/>
           </a:xfrm>
           <a:prstGeom prst="rect">
@@ -8312,7 +8388,7 @@
         </p:nvCxnSpPr>
         <p:spPr>
           <a:xfrm>
-            <a:off x="3884515" y="2410598"/>
+            <a:off x="3884515" y="2770746"/>
             <a:ext cx="943878" cy="720297"/>
           </a:xfrm>
           <a:prstGeom prst="straightConnector1">
@@ -8345,7 +8421,7 @@
         </p:nvCxnSpPr>
         <p:spPr>
           <a:xfrm flipH="1">
-            <a:off x="4875115" y="2064095"/>
+            <a:off x="4875115" y="2424243"/>
             <a:ext cx="1676400" cy="1066800"/>
           </a:xfrm>
           <a:prstGeom prst="straightConnector1">
@@ -8378,7 +8454,7 @@
         </p:nvSpPr>
         <p:spPr>
           <a:xfrm>
-            <a:off x="3068708" y="3283294"/>
+            <a:off x="3068708" y="3643442"/>
             <a:ext cx="4736810" cy="830997"/>
           </a:xfrm>
           <a:prstGeom prst="rect">
@@ -8551,8 +8627,8 @@
         </p:nvSpPr>
         <p:spPr>
           <a:xfrm>
-            <a:off x="362070" y="1274293"/>
-            <a:ext cx="1489075" cy="789802"/>
+            <a:off x="58956" y="1634441"/>
+            <a:ext cx="1792190" cy="789802"/>
           </a:xfrm>
           <a:prstGeom prst="wedgeRectCallout">
             <a:avLst>
@@ -8581,7 +8657,19 @@
           <a:p>
             <a:r>
               <a:rPr lang="en-US" sz="1200" dirty="0"/>
-              <a:t>At the member level, you can </a:t>
+              <a:t>At the </a:t>
+            </a:r>
+            <a:r>
+              <a:rPr lang="en-US" sz="1200" b="1" dirty="0"/>
+              <a:t>field/attribute</a:t>
+            </a:r>
+            <a:r>
+              <a:rPr lang="en-US" sz="1200" dirty="0" smtClean="0"/>
+              <a:t>, </a:t>
+            </a:r>
+            <a:r>
+              <a:rPr lang="en-US" sz="1200" dirty="0"/>
+              <a:t>you can </a:t>
             </a:r>
             <a:r>
               <a:rPr lang="en-US" sz="1200" dirty="0" smtClean="0"/>
@@ -8626,8 +8714,8 @@
         </p:nvSpPr>
         <p:spPr>
           <a:xfrm>
-            <a:off x="1254525" y="475865"/>
-            <a:ext cx="6993087" cy="461665"/>
+            <a:off x="612776" y="475865"/>
+            <a:ext cx="7634838" cy="276999"/>
           </a:xfrm>
           <a:prstGeom prst="rect">
             <a:avLst/>
@@ -8662,19 +8750,27 @@
               <a:t>a </a:t>
             </a:r>
             <a:r>
+              <a:rPr lang="en-US" sz="1200" b="1" dirty="0"/>
+              <a:t>field/attribute</a:t>
+            </a:r>
+            <a:r>
               <a:rPr lang="en-US" sz="1200" dirty="0" smtClean="0"/>
-              <a:t>member(field/method) </a:t>
+              <a:t> </a:t>
             </a:r>
             <a:r>
               <a:rPr lang="en-US" sz="1200" dirty="0" smtClean="0"/>
               <a:t>has </a:t>
             </a:r>
             <a:r>
+              <a:rPr lang="en-US" sz="1200" b="1" dirty="0"/>
+              <a:t>no modifier </a:t>
+            </a:r>
+            <a:r>
               <a:rPr lang="en-US" sz="1200" dirty="0"/>
-              <a:t>no modifier (the default, also known as </a:t>
-            </a:r>
-            <a:r>
-              <a:rPr lang="en-US" sz="1200" i="1" dirty="0"/>
+              <a:t>(the default, also known as </a:t>
+            </a:r>
+            <a:r>
+              <a:rPr lang="en-US" sz="1200" b="1" i="1" dirty="0"/>
               <a:t>package-private</a:t>
             </a:r>
             <a:r>

--- a/Later/Java Access Modifiers - Member Level-Field/Java Access Modifiers - Member Level-Field.pptx
+++ b/Later/Java Access Modifiers - Member Level-Field/Java Access Modifiers - Member Level-Field.pptx
@@ -4237,7 +4237,7 @@
             <a:pPr algn="ctr"/>
             <a:r>
               <a:rPr lang="en-US" sz="1200" dirty="0" smtClean="0"/>
-              <a:t>Access modifiers – member level</a:t>
+              <a:t>Access modifiers – field/attribute</a:t>
             </a:r>
             <a:endParaRPr lang="en-US" sz="1200" dirty="0"/>
           </a:p>
@@ -5248,50 +5248,6 @@
       </p:sp>
       <p:sp>
         <p:nvSpPr>
-          <p:cNvPr id="14" name="Rectangle 13"/>
-          <p:cNvSpPr/>
-          <p:nvPr/>
-        </p:nvSpPr>
-        <p:spPr>
-          <a:xfrm>
-            <a:off x="3687078" y="35738"/>
-            <a:ext cx="1676400" cy="276999"/>
-          </a:xfrm>
-          <a:prstGeom prst="rect">
-            <a:avLst/>
-          </a:prstGeom>
-        </p:spPr>
-        <p:style>
-          <a:lnRef idx="1">
-            <a:schemeClr val="accent4"/>
-          </a:lnRef>
-          <a:fillRef idx="3">
-            <a:schemeClr val="accent4"/>
-          </a:fillRef>
-          <a:effectRef idx="2">
-            <a:schemeClr val="accent4"/>
-          </a:effectRef>
-          <a:fontRef idx="minor">
-            <a:schemeClr val="lt1"/>
-          </a:fontRef>
-        </p:style>
-        <p:txBody>
-          <a:bodyPr wrap="square">
-            <a:spAutoFit/>
-          </a:bodyPr>
-          <a:lstStyle/>
-          <a:p>
-            <a:pPr algn="ctr"/>
-            <a:r>
-              <a:rPr lang="en-US" sz="1200" dirty="0" smtClean="0"/>
-              <a:t>Access modifiers - class</a:t>
-            </a:r>
-            <a:endParaRPr lang="en-US" sz="1200" dirty="0"/>
-          </a:p>
-        </p:txBody>
-      </p:sp>
-      <p:sp>
-        <p:nvSpPr>
           <p:cNvPr id="9" name="Rounded Rectangle 8"/>
           <p:cNvSpPr/>
           <p:nvPr/>
@@ -5786,11 +5742,7 @@
             </a:r>
             <a:r>
               <a:rPr lang="en-US" sz="1200" dirty="0" smtClean="0"/>
-              <a:t>use </a:t>
-            </a:r>
-            <a:r>
-              <a:rPr lang="en-US" sz="1200" dirty="0" smtClean="0"/>
-              <a:t>the</a:t>
+              <a:t>use the</a:t>
             </a:r>
             <a:r>
               <a:rPr lang="en-US" sz="1200" dirty="0"/>
@@ -5885,6 +5837,50 @@
             <a:r>
               <a:rPr lang="en-US" sz="1200" dirty="0" smtClean="0"/>
               <a:t>everywhere.</a:t>
+            </a:r>
+            <a:endParaRPr lang="en-US" sz="1200" dirty="0"/>
+          </a:p>
+        </p:txBody>
+      </p:sp>
+      <p:sp>
+        <p:nvSpPr>
+          <p:cNvPr id="21" name="Rectangle 20"/>
+          <p:cNvSpPr/>
+          <p:nvPr/>
+        </p:nvSpPr>
+        <p:spPr>
+          <a:xfrm>
+            <a:off x="3345547" y="35738"/>
+            <a:ext cx="2369453" cy="276999"/>
+          </a:xfrm>
+          <a:prstGeom prst="rect">
+            <a:avLst/>
+          </a:prstGeom>
+        </p:spPr>
+        <p:style>
+          <a:lnRef idx="1">
+            <a:schemeClr val="accent4"/>
+          </a:lnRef>
+          <a:fillRef idx="3">
+            <a:schemeClr val="accent4"/>
+          </a:fillRef>
+          <a:effectRef idx="2">
+            <a:schemeClr val="accent4"/>
+          </a:effectRef>
+          <a:fontRef idx="minor">
+            <a:schemeClr val="lt1"/>
+          </a:fontRef>
+        </p:style>
+        <p:txBody>
+          <a:bodyPr wrap="square">
+            <a:spAutoFit/>
+          </a:bodyPr>
+          <a:lstStyle/>
+          <a:p>
+            <a:pPr algn="ctr"/>
+            <a:r>
+              <a:rPr lang="en-US" sz="1200" dirty="0" smtClean="0"/>
+              <a:t>Access modifiers – field/attribute</a:t>
             </a:r>
             <a:endParaRPr lang="en-US" sz="1200" dirty="0"/>
           </a:p>
@@ -6210,50 +6206,6 @@
       </p:sp>
       <p:sp>
         <p:nvSpPr>
-          <p:cNvPr id="14" name="Rectangle 13"/>
-          <p:cNvSpPr/>
-          <p:nvPr/>
-        </p:nvSpPr>
-        <p:spPr>
-          <a:xfrm>
-            <a:off x="3687078" y="35738"/>
-            <a:ext cx="1676400" cy="276999"/>
-          </a:xfrm>
-          <a:prstGeom prst="rect">
-            <a:avLst/>
-          </a:prstGeom>
-        </p:spPr>
-        <p:style>
-          <a:lnRef idx="1">
-            <a:schemeClr val="accent4"/>
-          </a:lnRef>
-          <a:fillRef idx="3">
-            <a:schemeClr val="accent4"/>
-          </a:fillRef>
-          <a:effectRef idx="2">
-            <a:schemeClr val="accent4"/>
-          </a:effectRef>
-          <a:fontRef idx="minor">
-            <a:schemeClr val="lt1"/>
-          </a:fontRef>
-        </p:style>
-        <p:txBody>
-          <a:bodyPr wrap="square">
-            <a:spAutoFit/>
-          </a:bodyPr>
-          <a:lstStyle/>
-          <a:p>
-            <a:pPr algn="ctr"/>
-            <a:r>
-              <a:rPr lang="en-US" sz="1200" dirty="0" smtClean="0"/>
-              <a:t>Access modifiers - class</a:t>
-            </a:r>
-            <a:endParaRPr lang="en-US" sz="1200" dirty="0"/>
-          </a:p>
-        </p:txBody>
-      </p:sp>
-      <p:sp>
-        <p:nvSpPr>
           <p:cNvPr id="9" name="Rounded Rectangle 8"/>
           <p:cNvSpPr/>
           <p:nvPr/>
@@ -6835,12 +6787,52 @@
             </a:r>
             <a:r>
               <a:rPr lang="en-US" sz="1200" dirty="0"/>
-              <a:t> </a:t>
-            </a:r>
-            <a:r>
-              <a:rPr lang="en-US" sz="1200" dirty="0"/>
-              <a:t>can only be accessed in its own class.</a:t>
-            </a:r>
+              <a:t> can only be accessed in its own class.</a:t>
+            </a:r>
+          </a:p>
+        </p:txBody>
+      </p:sp>
+      <p:sp>
+        <p:nvSpPr>
+          <p:cNvPr id="24" name="Rectangle 23"/>
+          <p:cNvSpPr/>
+          <p:nvPr/>
+        </p:nvSpPr>
+        <p:spPr>
+          <a:xfrm>
+            <a:off x="3345547" y="35738"/>
+            <a:ext cx="2369453" cy="276999"/>
+          </a:xfrm>
+          <a:prstGeom prst="rect">
+            <a:avLst/>
+          </a:prstGeom>
+        </p:spPr>
+        <p:style>
+          <a:lnRef idx="1">
+            <a:schemeClr val="accent4"/>
+          </a:lnRef>
+          <a:fillRef idx="3">
+            <a:schemeClr val="accent4"/>
+          </a:fillRef>
+          <a:effectRef idx="2">
+            <a:schemeClr val="accent4"/>
+          </a:effectRef>
+          <a:fontRef idx="minor">
+            <a:schemeClr val="lt1"/>
+          </a:fontRef>
+        </p:style>
+        <p:txBody>
+          <a:bodyPr wrap="square">
+            <a:spAutoFit/>
+          </a:bodyPr>
+          <a:lstStyle/>
+          <a:p>
+            <a:pPr algn="ctr"/>
+            <a:r>
+              <a:rPr lang="en-US" sz="1200" dirty="0" smtClean="0"/>
+              <a:t>Access modifiers – field/attribute</a:t>
+            </a:r>
+            <a:endParaRPr lang="en-US" sz="1200" dirty="0"/>
           </a:p>
         </p:txBody>
       </p:sp>
@@ -7164,50 +7156,6 @@
       </p:sp>
       <p:sp>
         <p:nvSpPr>
-          <p:cNvPr id="14" name="Rectangle 13"/>
-          <p:cNvSpPr/>
-          <p:nvPr/>
-        </p:nvSpPr>
-        <p:spPr>
-          <a:xfrm>
-            <a:off x="3687078" y="35738"/>
-            <a:ext cx="1676400" cy="276999"/>
-          </a:xfrm>
-          <a:prstGeom prst="rect">
-            <a:avLst/>
-          </a:prstGeom>
-        </p:spPr>
-        <p:style>
-          <a:lnRef idx="1">
-            <a:schemeClr val="accent4"/>
-          </a:lnRef>
-          <a:fillRef idx="3">
-            <a:schemeClr val="accent4"/>
-          </a:fillRef>
-          <a:effectRef idx="2">
-            <a:schemeClr val="accent4"/>
-          </a:effectRef>
-          <a:fontRef idx="minor">
-            <a:schemeClr val="lt1"/>
-          </a:fontRef>
-        </p:style>
-        <p:txBody>
-          <a:bodyPr wrap="square">
-            <a:spAutoFit/>
-          </a:bodyPr>
-          <a:lstStyle/>
-          <a:p>
-            <a:pPr algn="ctr"/>
-            <a:r>
-              <a:rPr lang="en-US" sz="1200" dirty="0" smtClean="0"/>
-              <a:t>Access modifiers - class</a:t>
-            </a:r>
-            <a:endParaRPr lang="en-US" sz="1200" dirty="0"/>
-          </a:p>
-        </p:txBody>
-      </p:sp>
-      <p:sp>
-        <p:nvSpPr>
           <p:cNvPr id="9" name="Rounded Rectangle 8"/>
           <p:cNvSpPr/>
           <p:nvPr/>
@@ -7790,11 +7738,7 @@
             </a:r>
             <a:r>
               <a:rPr lang="en-US" sz="1200" dirty="0"/>
-              <a:t> </a:t>
-            </a:r>
-            <a:r>
-              <a:rPr lang="en-US" sz="1200" dirty="0"/>
-              <a:t>can only be accessed within its own package (as with </a:t>
+              <a:t> can only be accessed within its own package (as with </a:t>
             </a:r>
             <a:r>
               <a:rPr lang="en-US" sz="1200" b="1" i="1" dirty="0"/>
@@ -7804,6 +7748,50 @@
               <a:rPr lang="en-US" sz="1200" dirty="0"/>
               <a:t>) and, in addition, by a subclass of its class in another package.</a:t>
             </a:r>
+          </a:p>
+        </p:txBody>
+      </p:sp>
+      <p:sp>
+        <p:nvSpPr>
+          <p:cNvPr id="22" name="Rectangle 21"/>
+          <p:cNvSpPr/>
+          <p:nvPr/>
+        </p:nvSpPr>
+        <p:spPr>
+          <a:xfrm>
+            <a:off x="3505200" y="35739"/>
+            <a:ext cx="2369453" cy="276999"/>
+          </a:xfrm>
+          <a:prstGeom prst="rect">
+            <a:avLst/>
+          </a:prstGeom>
+        </p:spPr>
+        <p:style>
+          <a:lnRef idx="1">
+            <a:schemeClr val="accent4"/>
+          </a:lnRef>
+          <a:fillRef idx="3">
+            <a:schemeClr val="accent4"/>
+          </a:fillRef>
+          <a:effectRef idx="2">
+            <a:schemeClr val="accent4"/>
+          </a:effectRef>
+          <a:fontRef idx="minor">
+            <a:schemeClr val="lt1"/>
+          </a:fontRef>
+        </p:style>
+        <p:txBody>
+          <a:bodyPr wrap="square">
+            <a:spAutoFit/>
+          </a:bodyPr>
+          <a:lstStyle/>
+          <a:p>
+            <a:pPr algn="ctr"/>
+            <a:r>
+              <a:rPr lang="en-US" sz="1200" dirty="0" smtClean="0"/>
+              <a:t>Access modifiers – field/attribute</a:t>
+            </a:r>
+            <a:endParaRPr lang="en-US" sz="1200" dirty="0"/>
           </a:p>
         </p:txBody>
       </p:sp>
@@ -8127,50 +8115,6 @@
       </p:sp>
       <p:sp>
         <p:nvSpPr>
-          <p:cNvPr id="14" name="Rectangle 13"/>
-          <p:cNvSpPr/>
-          <p:nvPr/>
-        </p:nvSpPr>
-        <p:spPr>
-          <a:xfrm>
-            <a:off x="3687078" y="35738"/>
-            <a:ext cx="1676400" cy="276999"/>
-          </a:xfrm>
-          <a:prstGeom prst="rect">
-            <a:avLst/>
-          </a:prstGeom>
-        </p:spPr>
-        <p:style>
-          <a:lnRef idx="1">
-            <a:schemeClr val="accent4"/>
-          </a:lnRef>
-          <a:fillRef idx="3">
-            <a:schemeClr val="accent4"/>
-          </a:fillRef>
-          <a:effectRef idx="2">
-            <a:schemeClr val="accent4"/>
-          </a:effectRef>
-          <a:fontRef idx="minor">
-            <a:schemeClr val="lt1"/>
-          </a:fontRef>
-        </p:style>
-        <p:txBody>
-          <a:bodyPr wrap="square">
-            <a:spAutoFit/>
-          </a:bodyPr>
-          <a:lstStyle/>
-          <a:p>
-            <a:pPr algn="ctr"/>
-            <a:r>
-              <a:rPr lang="en-US" sz="1200" dirty="0" smtClean="0"/>
-              <a:t>Access modifiers - class</a:t>
-            </a:r>
-            <a:endParaRPr lang="en-US" sz="1200" dirty="0"/>
-          </a:p>
-        </p:txBody>
-      </p:sp>
-      <p:sp>
-        <p:nvSpPr>
           <p:cNvPr id="9" name="Rounded Rectangle 8"/>
           <p:cNvSpPr/>
           <p:nvPr/>
@@ -8755,11 +8699,7 @@
             </a:r>
             <a:r>
               <a:rPr lang="en-US" sz="1200" dirty="0" smtClean="0"/>
-              <a:t> </a:t>
-            </a:r>
-            <a:r>
-              <a:rPr lang="en-US" sz="1200" dirty="0" smtClean="0"/>
-              <a:t>has </a:t>
+              <a:t> has </a:t>
             </a:r>
             <a:r>
               <a:rPr lang="en-US" sz="1200" b="1" dirty="0"/>
@@ -8777,6 +8717,50 @@
               <a:rPr lang="en-US" sz="1200" dirty="0"/>
               <a:t>), it is visible only within its own package</a:t>
             </a:r>
+          </a:p>
+        </p:txBody>
+      </p:sp>
+      <p:sp>
+        <p:nvSpPr>
+          <p:cNvPr id="22" name="Rectangle 21"/>
+          <p:cNvSpPr/>
+          <p:nvPr/>
+        </p:nvSpPr>
+        <p:spPr>
+          <a:xfrm>
+            <a:off x="3505200" y="35739"/>
+            <a:ext cx="2369453" cy="276999"/>
+          </a:xfrm>
+          <a:prstGeom prst="rect">
+            <a:avLst/>
+          </a:prstGeom>
+        </p:spPr>
+        <p:style>
+          <a:lnRef idx="1">
+            <a:schemeClr val="accent4"/>
+          </a:lnRef>
+          <a:fillRef idx="3">
+            <a:schemeClr val="accent4"/>
+          </a:fillRef>
+          <a:effectRef idx="2">
+            <a:schemeClr val="accent4"/>
+          </a:effectRef>
+          <a:fontRef idx="minor">
+            <a:schemeClr val="lt1"/>
+          </a:fontRef>
+        </p:style>
+        <p:txBody>
+          <a:bodyPr wrap="square">
+            <a:spAutoFit/>
+          </a:bodyPr>
+          <a:lstStyle/>
+          <a:p>
+            <a:pPr algn="ctr"/>
+            <a:r>
+              <a:rPr lang="en-US" sz="1200" dirty="0" smtClean="0"/>
+              <a:t>Access modifiers – field/attribute</a:t>
+            </a:r>
+            <a:endParaRPr lang="en-US" sz="1200" dirty="0"/>
           </a:p>
         </p:txBody>
       </p:sp>
